--- a/Diagram.pptx
+++ b/Diagram.pptx
@@ -3095,556 +3095,571 @@
           <a:chExt cx="0" cy="0"/>
         </a:xfrm>
       </p:grpSpPr>
-      <p:sp>
-        <p:nvSpPr>
-          <p:cNvPr id="11" name="Rectangle 10"/>
-          <p:cNvSpPr/>
+      <p:grpSp>
+        <p:nvGrpSpPr>
+          <p:cNvPr id="63" name="Group 62"/>
+          <p:cNvGrpSpPr/>
           <p:nvPr/>
-        </p:nvSpPr>
-        <p:spPr>
-          <a:xfrm>
-            <a:off x="4624368" y="3833028"/>
-            <a:ext cx="1486751" cy="685800"/>
-          </a:xfrm>
-          <a:prstGeom prst="rect">
-            <a:avLst/>
-          </a:prstGeom>
-        </p:spPr>
-        <p:style>
-          <a:lnRef idx="1">
-            <a:schemeClr val="accent1"/>
-          </a:lnRef>
-          <a:fillRef idx="3">
-            <a:schemeClr val="accent1"/>
-          </a:fillRef>
-          <a:effectRef idx="2">
-            <a:schemeClr val="accent1"/>
-          </a:effectRef>
-          <a:fontRef idx="minor">
-            <a:schemeClr val="lt1"/>
-          </a:fontRef>
-        </p:style>
-        <p:txBody>
-          <a:bodyPr rtlCol="0" anchor="ctr"/>
-          <a:lstStyle/>
-          <a:p>
-            <a:pPr algn="ctr"/>
-            <a:r>
-              <a:rPr lang="en-US" dirty="0" smtClean="0"/>
-              <a:t>Result Processor</a:t>
-            </a:r>
-            <a:endParaRPr lang="en-US" dirty="0"/>
-          </a:p>
-        </p:txBody>
-      </p:sp>
-      <p:sp>
-        <p:nvSpPr>
-          <p:cNvPr id="8" name="Rectangle 7"/>
-          <p:cNvSpPr/>
-          <p:nvPr/>
-        </p:nvSpPr>
-        <p:spPr>
+        </p:nvGrpSpPr>
+        <p:grpSpPr>
           <a:xfrm>
             <a:off x="1555670" y="649277"/>
-            <a:ext cx="4555449" cy="572894"/>
+            <a:ext cx="4555449" cy="5003261"/>
+            <a:chOff x="1555670" y="649277"/>
+            <a:chExt cx="4555449" cy="5003261"/>
           </a:xfrm>
-          <a:prstGeom prst="rect">
-            <a:avLst/>
-          </a:prstGeom>
-        </p:spPr>
-        <p:style>
-          <a:lnRef idx="1">
-            <a:schemeClr val="accent1"/>
-          </a:lnRef>
-          <a:fillRef idx="3">
-            <a:schemeClr val="accent1"/>
-          </a:fillRef>
-          <a:effectRef idx="2">
-            <a:schemeClr val="accent1"/>
-          </a:effectRef>
-          <a:fontRef idx="minor">
-            <a:schemeClr val="lt1"/>
-          </a:fontRef>
-        </p:style>
-        <p:txBody>
-          <a:bodyPr rtlCol="0" anchor="ctr"/>
-          <a:lstStyle/>
-          <a:p>
-            <a:pPr algn="ctr"/>
-            <a:r>
-              <a:rPr lang="en-US" dirty="0" smtClean="0"/>
-              <a:t>Activities User Interface</a:t>
-            </a:r>
-            <a:endParaRPr lang="en-US" dirty="0"/>
-          </a:p>
-        </p:txBody>
-      </p:sp>
-      <p:sp>
-        <p:nvSpPr>
-          <p:cNvPr id="9" name="Rectangle 8"/>
-          <p:cNvSpPr/>
-          <p:nvPr/>
-        </p:nvSpPr>
-        <p:spPr>
-          <a:xfrm>
-            <a:off x="1555670" y="1466006"/>
-            <a:ext cx="2286000" cy="508151"/>
-          </a:xfrm>
-          <a:prstGeom prst="rect">
-            <a:avLst/>
-          </a:prstGeom>
-        </p:spPr>
-        <p:style>
-          <a:lnRef idx="1">
-            <a:schemeClr val="accent1"/>
-          </a:lnRef>
-          <a:fillRef idx="3">
-            <a:schemeClr val="accent1"/>
-          </a:fillRef>
-          <a:effectRef idx="2">
-            <a:schemeClr val="accent1"/>
-          </a:effectRef>
-          <a:fontRef idx="minor">
-            <a:schemeClr val="lt1"/>
-          </a:fontRef>
-        </p:style>
-        <p:txBody>
-          <a:bodyPr rtlCol="0" anchor="ctr"/>
-          <a:lstStyle/>
-          <a:p>
-            <a:pPr algn="ctr"/>
-            <a:r>
-              <a:rPr lang="en-US" dirty="0" smtClean="0"/>
-              <a:t>Service Helper</a:t>
-            </a:r>
-            <a:endParaRPr lang="en-US" dirty="0"/>
-          </a:p>
-        </p:txBody>
-      </p:sp>
-      <p:sp>
-        <p:nvSpPr>
-          <p:cNvPr id="10" name="Rectangle 9"/>
-          <p:cNvSpPr/>
-          <p:nvPr/>
-        </p:nvSpPr>
-        <p:spPr>
-          <a:xfrm>
-            <a:off x="1555670" y="3918710"/>
-            <a:ext cx="2286000" cy="514436"/>
-          </a:xfrm>
-          <a:prstGeom prst="rect">
-            <a:avLst/>
-          </a:prstGeom>
-        </p:spPr>
-        <p:style>
-          <a:lnRef idx="1">
-            <a:schemeClr val="accent1"/>
-          </a:lnRef>
-          <a:fillRef idx="3">
-            <a:schemeClr val="accent1"/>
-          </a:fillRef>
-          <a:effectRef idx="2">
-            <a:schemeClr val="accent1"/>
-          </a:effectRef>
-          <a:fontRef idx="minor">
-            <a:schemeClr val="lt1"/>
-          </a:fontRef>
-        </p:style>
-        <p:txBody>
-          <a:bodyPr rtlCol="0" anchor="ctr"/>
-          <a:lstStyle/>
-          <a:p>
-            <a:pPr algn="ctr"/>
-            <a:r>
-              <a:rPr lang="en-US" dirty="0" err="1" smtClean="0"/>
-              <a:t>Json</a:t>
-            </a:r>
-            <a:r>
-              <a:rPr lang="en-US" dirty="0" smtClean="0"/>
-              <a:t> Processor</a:t>
-            </a:r>
-            <a:endParaRPr lang="en-US" dirty="0"/>
-          </a:p>
-        </p:txBody>
-      </p:sp>
-      <p:sp>
-        <p:nvSpPr>
-          <p:cNvPr id="12" name="Rectangle 11"/>
-          <p:cNvSpPr/>
-          <p:nvPr/>
-        </p:nvSpPr>
-        <p:spPr>
-          <a:xfrm>
-            <a:off x="1555670" y="2217992"/>
-            <a:ext cx="2286000" cy="491150"/>
-          </a:xfrm>
-          <a:prstGeom prst="rect">
-            <a:avLst/>
-          </a:prstGeom>
-        </p:spPr>
-        <p:style>
-          <a:lnRef idx="1">
-            <a:schemeClr val="accent1"/>
-          </a:lnRef>
-          <a:fillRef idx="3">
-            <a:schemeClr val="accent1"/>
-          </a:fillRef>
-          <a:effectRef idx="2">
-            <a:schemeClr val="accent1"/>
-          </a:effectRef>
-          <a:fontRef idx="minor">
-            <a:schemeClr val="lt1"/>
-          </a:fontRef>
-        </p:style>
-        <p:txBody>
-          <a:bodyPr rtlCol="0" anchor="ctr"/>
-          <a:lstStyle/>
-          <a:p>
-            <a:pPr algn="ctr"/>
-            <a:r>
-              <a:rPr lang="en-US" dirty="0" smtClean="0"/>
-              <a:t>Intent Service</a:t>
-            </a:r>
-            <a:endParaRPr lang="en-US" dirty="0"/>
-          </a:p>
-        </p:txBody>
-      </p:sp>
-      <p:sp>
-        <p:nvSpPr>
-          <p:cNvPr id="13" name="Rectangle 12"/>
-          <p:cNvSpPr/>
-          <p:nvPr/>
-        </p:nvSpPr>
-        <p:spPr>
-          <a:xfrm>
-            <a:off x="1555670" y="2952977"/>
-            <a:ext cx="2286000" cy="550534"/>
-          </a:xfrm>
-          <a:prstGeom prst="rect">
-            <a:avLst/>
-          </a:prstGeom>
-        </p:spPr>
-        <p:style>
-          <a:lnRef idx="1">
-            <a:schemeClr val="accent1"/>
-          </a:lnRef>
-          <a:fillRef idx="3">
-            <a:schemeClr val="accent1"/>
-          </a:fillRef>
-          <a:effectRef idx="2">
-            <a:schemeClr val="accent1"/>
-          </a:effectRef>
-          <a:fontRef idx="minor">
-            <a:schemeClr val="lt1"/>
-          </a:fontRef>
-        </p:style>
-        <p:txBody>
-          <a:bodyPr rtlCol="0" anchor="ctr"/>
-          <a:lstStyle/>
-          <a:p>
-            <a:pPr algn="ctr"/>
-            <a:r>
-              <a:rPr lang="en-US" dirty="0" smtClean="0"/>
-              <a:t>URL Builder</a:t>
-            </a:r>
-            <a:endParaRPr lang="en-US" dirty="0"/>
-          </a:p>
-        </p:txBody>
-      </p:sp>
-      <p:sp>
-        <p:nvSpPr>
-          <p:cNvPr id="14" name="Rectangle 13"/>
-          <p:cNvSpPr/>
-          <p:nvPr/>
-        </p:nvSpPr>
-        <p:spPr>
-          <a:xfrm>
-            <a:off x="1555670" y="4881456"/>
-            <a:ext cx="2286000" cy="771082"/>
-          </a:xfrm>
-          <a:prstGeom prst="rect">
-            <a:avLst/>
-          </a:prstGeom>
-        </p:spPr>
-        <p:style>
-          <a:lnRef idx="1">
-            <a:schemeClr val="accent1"/>
-          </a:lnRef>
-          <a:fillRef idx="3">
-            <a:schemeClr val="accent1"/>
-          </a:fillRef>
-          <a:effectRef idx="2">
-            <a:schemeClr val="accent1"/>
-          </a:effectRef>
-          <a:fontRef idx="minor">
-            <a:schemeClr val="lt1"/>
-          </a:fontRef>
-        </p:style>
-        <p:txBody>
-          <a:bodyPr rtlCol="0" anchor="ctr"/>
-          <a:lstStyle/>
-          <a:p>
-            <a:pPr algn="ctr"/>
-            <a:r>
-              <a:rPr lang="en-US" dirty="0" smtClean="0"/>
-              <a:t>URL invoker</a:t>
-            </a:r>
-            <a:endParaRPr lang="en-US" dirty="0"/>
-          </a:p>
-        </p:txBody>
-      </p:sp>
-      <p:cxnSp>
-        <p:nvCxnSpPr>
-          <p:cNvPr id="20" name="Straight Arrow Connector 19"/>
-          <p:cNvCxnSpPr>
-            <a:stCxn id="8" idx="2"/>
-            <a:endCxn id="9" idx="0"/>
-          </p:cNvCxnSpPr>
-          <p:nvPr/>
-        </p:nvCxnSpPr>
-        <p:spPr>
-          <a:xfrm flipH="1">
-            <a:off x="2698670" y="1222171"/>
-            <a:ext cx="1134725" cy="243835"/>
-          </a:xfrm>
-          <a:prstGeom prst="straightConnector1">
-            <a:avLst/>
-          </a:prstGeom>
-          <a:ln>
-            <a:tailEnd type="arrow"/>
-          </a:ln>
-        </p:spPr>
-        <p:style>
-          <a:lnRef idx="2">
-            <a:schemeClr val="accent1"/>
-          </a:lnRef>
-          <a:fillRef idx="0">
-            <a:schemeClr val="accent1"/>
-          </a:fillRef>
-          <a:effectRef idx="1">
-            <a:schemeClr val="accent1"/>
-          </a:effectRef>
-          <a:fontRef idx="minor">
-            <a:schemeClr val="tx1"/>
-          </a:fontRef>
-        </p:style>
-      </p:cxnSp>
-      <p:cxnSp>
-        <p:nvCxnSpPr>
-          <p:cNvPr id="26" name="Straight Arrow Connector 25"/>
-          <p:cNvCxnSpPr>
-            <a:stCxn id="9" idx="2"/>
-            <a:endCxn id="12" idx="0"/>
-          </p:cNvCxnSpPr>
-          <p:nvPr/>
-        </p:nvCxnSpPr>
-        <p:spPr>
-          <a:xfrm>
-            <a:off x="2698670" y="1974157"/>
-            <a:ext cx="0" cy="243835"/>
-          </a:xfrm>
-          <a:prstGeom prst="straightConnector1">
-            <a:avLst/>
-          </a:prstGeom>
-          <a:ln>
-            <a:tailEnd type="arrow"/>
-          </a:ln>
-        </p:spPr>
-        <p:style>
-          <a:lnRef idx="2">
-            <a:schemeClr val="accent1"/>
-          </a:lnRef>
-          <a:fillRef idx="0">
-            <a:schemeClr val="accent1"/>
-          </a:fillRef>
-          <a:effectRef idx="1">
-            <a:schemeClr val="accent1"/>
-          </a:effectRef>
-          <a:fontRef idx="minor">
-            <a:schemeClr val="tx1"/>
-          </a:fontRef>
-        </p:style>
-      </p:cxnSp>
-      <p:cxnSp>
-        <p:nvCxnSpPr>
-          <p:cNvPr id="28" name="Straight Arrow Connector 27"/>
-          <p:cNvCxnSpPr>
-            <a:stCxn id="12" idx="2"/>
-            <a:endCxn id="13" idx="0"/>
-          </p:cNvCxnSpPr>
-          <p:nvPr/>
-        </p:nvCxnSpPr>
-        <p:spPr>
-          <a:xfrm>
-            <a:off x="2698670" y="2709142"/>
-            <a:ext cx="0" cy="243835"/>
-          </a:xfrm>
-          <a:prstGeom prst="straightConnector1">
-            <a:avLst/>
-          </a:prstGeom>
-          <a:ln>
-            <a:tailEnd type="arrow"/>
-          </a:ln>
-        </p:spPr>
-        <p:style>
-          <a:lnRef idx="2">
-            <a:schemeClr val="accent1"/>
-          </a:lnRef>
-          <a:fillRef idx="0">
-            <a:schemeClr val="accent1"/>
-          </a:fillRef>
-          <a:effectRef idx="1">
-            <a:schemeClr val="accent1"/>
-          </a:effectRef>
-          <a:fontRef idx="minor">
-            <a:schemeClr val="tx1"/>
-          </a:fontRef>
-        </p:style>
-      </p:cxnSp>
-      <p:cxnSp>
-        <p:nvCxnSpPr>
-          <p:cNvPr id="38" name="Straight Arrow Connector 37"/>
-          <p:cNvCxnSpPr>
-            <a:stCxn id="13" idx="2"/>
-            <a:endCxn id="10" idx="0"/>
-          </p:cNvCxnSpPr>
-          <p:nvPr/>
-        </p:nvCxnSpPr>
-        <p:spPr>
-          <a:xfrm>
-            <a:off x="2698670" y="3503511"/>
-            <a:ext cx="0" cy="415199"/>
-          </a:xfrm>
-          <a:prstGeom prst="straightConnector1">
-            <a:avLst/>
-          </a:prstGeom>
-          <a:ln>
-            <a:tailEnd type="arrow"/>
-          </a:ln>
-        </p:spPr>
-        <p:style>
-          <a:lnRef idx="2">
-            <a:schemeClr val="accent1"/>
-          </a:lnRef>
-          <a:fillRef idx="0">
-            <a:schemeClr val="accent1"/>
-          </a:fillRef>
-          <a:effectRef idx="1">
-            <a:schemeClr val="accent1"/>
-          </a:effectRef>
-          <a:fontRef idx="minor">
-            <a:schemeClr val="tx1"/>
-          </a:fontRef>
-        </p:style>
-      </p:cxnSp>
-      <p:cxnSp>
-        <p:nvCxnSpPr>
-          <p:cNvPr id="41" name="Straight Arrow Connector 40"/>
-          <p:cNvCxnSpPr>
-            <a:stCxn id="10" idx="2"/>
-            <a:endCxn id="14" idx="0"/>
-          </p:cNvCxnSpPr>
-          <p:nvPr/>
-        </p:nvCxnSpPr>
-        <p:spPr>
-          <a:xfrm>
-            <a:off x="2698670" y="4433146"/>
-            <a:ext cx="0" cy="448310"/>
-          </a:xfrm>
-          <a:prstGeom prst="straightConnector1">
-            <a:avLst/>
-          </a:prstGeom>
-          <a:ln>
-            <a:headEnd type="arrow"/>
-            <a:tailEnd type="arrow"/>
-          </a:ln>
-        </p:spPr>
-        <p:style>
-          <a:lnRef idx="2">
-            <a:schemeClr val="accent1"/>
-          </a:lnRef>
-          <a:fillRef idx="0">
-            <a:schemeClr val="accent1"/>
-          </a:fillRef>
-          <a:effectRef idx="1">
-            <a:schemeClr val="accent1"/>
-          </a:effectRef>
-          <a:fontRef idx="minor">
-            <a:schemeClr val="tx1"/>
-          </a:fontRef>
-        </p:style>
-      </p:cxnSp>
-      <p:cxnSp>
-        <p:nvCxnSpPr>
-          <p:cNvPr id="43" name="Straight Arrow Connector 42"/>
-          <p:cNvCxnSpPr>
-            <a:stCxn id="10" idx="3"/>
-            <a:endCxn id="11" idx="1"/>
-          </p:cNvCxnSpPr>
-          <p:nvPr/>
-        </p:nvCxnSpPr>
-        <p:spPr>
-          <a:xfrm>
-            <a:off x="3841670" y="4175928"/>
-            <a:ext cx="782698" cy="0"/>
-          </a:xfrm>
-          <a:prstGeom prst="straightConnector1">
-            <a:avLst/>
-          </a:prstGeom>
-          <a:ln>
-            <a:tailEnd type="arrow"/>
-          </a:ln>
-        </p:spPr>
-        <p:style>
-          <a:lnRef idx="2">
-            <a:schemeClr val="accent1"/>
-          </a:lnRef>
-          <a:fillRef idx="0">
-            <a:schemeClr val="accent1"/>
-          </a:fillRef>
-          <a:effectRef idx="1">
-            <a:schemeClr val="accent1"/>
-          </a:effectRef>
-          <a:fontRef idx="minor">
-            <a:schemeClr val="tx1"/>
-          </a:fontRef>
-        </p:style>
-      </p:cxnSp>
-      <p:cxnSp>
-        <p:nvCxnSpPr>
-          <p:cNvPr id="47" name="Straight Arrow Connector 46"/>
-          <p:cNvCxnSpPr>
-            <a:stCxn id="11" idx="0"/>
-          </p:cNvCxnSpPr>
-          <p:nvPr/>
-        </p:nvCxnSpPr>
-        <p:spPr>
-          <a:xfrm flipV="1">
-            <a:off x="5367744" y="1222172"/>
-            <a:ext cx="0" cy="2610856"/>
-          </a:xfrm>
-          <a:prstGeom prst="straightConnector1">
-            <a:avLst/>
-          </a:prstGeom>
-          <a:ln>
-            <a:tailEnd type="arrow"/>
-          </a:ln>
-        </p:spPr>
-        <p:style>
-          <a:lnRef idx="2">
-            <a:schemeClr val="accent1"/>
-          </a:lnRef>
-          <a:fillRef idx="0">
-            <a:schemeClr val="accent1"/>
-          </a:fillRef>
-          <a:effectRef idx="1">
-            <a:schemeClr val="accent1"/>
-          </a:effectRef>
-          <a:fontRef idx="minor">
-            <a:schemeClr val="tx1"/>
-          </a:fontRef>
-        </p:style>
-      </p:cxnSp>
+        </p:grpSpPr>
+        <p:sp>
+          <p:nvSpPr>
+            <p:cNvPr id="11" name="Rectangle 10"/>
+            <p:cNvSpPr/>
+            <p:nvPr/>
+          </p:nvSpPr>
+          <p:spPr>
+            <a:xfrm>
+              <a:off x="4624368" y="3833028"/>
+              <a:ext cx="1486751" cy="685800"/>
+            </a:xfrm>
+            <a:prstGeom prst="rect">
+              <a:avLst/>
+            </a:prstGeom>
+          </p:spPr>
+          <p:style>
+            <a:lnRef idx="1">
+              <a:schemeClr val="accent1"/>
+            </a:lnRef>
+            <a:fillRef idx="3">
+              <a:schemeClr val="accent1"/>
+            </a:fillRef>
+            <a:effectRef idx="2">
+              <a:schemeClr val="accent1"/>
+            </a:effectRef>
+            <a:fontRef idx="minor">
+              <a:schemeClr val="lt1"/>
+            </a:fontRef>
+          </p:style>
+          <p:txBody>
+            <a:bodyPr rtlCol="0" anchor="ctr"/>
+            <a:lstStyle/>
+            <a:p>
+              <a:pPr algn="ctr"/>
+              <a:r>
+                <a:rPr lang="en-US" dirty="0" smtClean="0"/>
+                <a:t>Result Processor</a:t>
+              </a:r>
+              <a:endParaRPr lang="en-US" dirty="0"/>
+            </a:p>
+          </p:txBody>
+        </p:sp>
+        <p:sp>
+          <p:nvSpPr>
+            <p:cNvPr id="8" name="Rectangle 7"/>
+            <p:cNvSpPr/>
+            <p:nvPr/>
+          </p:nvSpPr>
+          <p:spPr>
+            <a:xfrm>
+              <a:off x="1555670" y="649277"/>
+              <a:ext cx="4555449" cy="572894"/>
+            </a:xfrm>
+            <a:prstGeom prst="rect">
+              <a:avLst/>
+            </a:prstGeom>
+          </p:spPr>
+          <p:style>
+            <a:lnRef idx="1">
+              <a:schemeClr val="accent1"/>
+            </a:lnRef>
+            <a:fillRef idx="3">
+              <a:schemeClr val="accent1"/>
+            </a:fillRef>
+            <a:effectRef idx="2">
+              <a:schemeClr val="accent1"/>
+            </a:effectRef>
+            <a:fontRef idx="minor">
+              <a:schemeClr val="lt1"/>
+            </a:fontRef>
+          </p:style>
+          <p:txBody>
+            <a:bodyPr rtlCol="0" anchor="ctr"/>
+            <a:lstStyle/>
+            <a:p>
+              <a:pPr algn="ctr"/>
+              <a:r>
+                <a:rPr lang="en-US" dirty="0" smtClean="0"/>
+                <a:t>Activities User Interface</a:t>
+              </a:r>
+              <a:endParaRPr lang="en-US" dirty="0"/>
+            </a:p>
+          </p:txBody>
+        </p:sp>
+        <p:sp>
+          <p:nvSpPr>
+            <p:cNvPr id="9" name="Rectangle 8"/>
+            <p:cNvSpPr/>
+            <p:nvPr/>
+          </p:nvSpPr>
+          <p:spPr>
+            <a:xfrm>
+              <a:off x="1555670" y="1466006"/>
+              <a:ext cx="2286000" cy="508151"/>
+            </a:xfrm>
+            <a:prstGeom prst="rect">
+              <a:avLst/>
+            </a:prstGeom>
+          </p:spPr>
+          <p:style>
+            <a:lnRef idx="1">
+              <a:schemeClr val="accent1"/>
+            </a:lnRef>
+            <a:fillRef idx="3">
+              <a:schemeClr val="accent1"/>
+            </a:fillRef>
+            <a:effectRef idx="2">
+              <a:schemeClr val="accent1"/>
+            </a:effectRef>
+            <a:fontRef idx="minor">
+              <a:schemeClr val="lt1"/>
+            </a:fontRef>
+          </p:style>
+          <p:txBody>
+            <a:bodyPr rtlCol="0" anchor="ctr"/>
+            <a:lstStyle/>
+            <a:p>
+              <a:pPr algn="ctr"/>
+              <a:r>
+                <a:rPr lang="en-US" dirty="0" smtClean="0"/>
+                <a:t>Service Helper</a:t>
+              </a:r>
+              <a:endParaRPr lang="en-US" dirty="0"/>
+            </a:p>
+          </p:txBody>
+        </p:sp>
+        <p:sp>
+          <p:nvSpPr>
+            <p:cNvPr id="10" name="Rectangle 9"/>
+            <p:cNvSpPr/>
+            <p:nvPr/>
+          </p:nvSpPr>
+          <p:spPr>
+            <a:xfrm>
+              <a:off x="1555670" y="3918710"/>
+              <a:ext cx="2286000" cy="514436"/>
+            </a:xfrm>
+            <a:prstGeom prst="rect">
+              <a:avLst/>
+            </a:prstGeom>
+          </p:spPr>
+          <p:style>
+            <a:lnRef idx="1">
+              <a:schemeClr val="accent1"/>
+            </a:lnRef>
+            <a:fillRef idx="3">
+              <a:schemeClr val="accent1"/>
+            </a:fillRef>
+            <a:effectRef idx="2">
+              <a:schemeClr val="accent1"/>
+            </a:effectRef>
+            <a:fontRef idx="minor">
+              <a:schemeClr val="lt1"/>
+            </a:fontRef>
+          </p:style>
+          <p:txBody>
+            <a:bodyPr rtlCol="0" anchor="ctr"/>
+            <a:lstStyle/>
+            <a:p>
+              <a:pPr algn="ctr"/>
+              <a:r>
+                <a:rPr lang="en-US" dirty="0" err="1" smtClean="0"/>
+                <a:t>Json</a:t>
+              </a:r>
+              <a:r>
+                <a:rPr lang="en-US" dirty="0" smtClean="0"/>
+                <a:t> Processor</a:t>
+              </a:r>
+              <a:endParaRPr lang="en-US" dirty="0"/>
+            </a:p>
+          </p:txBody>
+        </p:sp>
+        <p:sp>
+          <p:nvSpPr>
+            <p:cNvPr id="12" name="Rectangle 11"/>
+            <p:cNvSpPr/>
+            <p:nvPr/>
+          </p:nvSpPr>
+          <p:spPr>
+            <a:xfrm>
+              <a:off x="1555670" y="2217992"/>
+              <a:ext cx="2286000" cy="491150"/>
+            </a:xfrm>
+            <a:prstGeom prst="rect">
+              <a:avLst/>
+            </a:prstGeom>
+          </p:spPr>
+          <p:style>
+            <a:lnRef idx="1">
+              <a:schemeClr val="accent1"/>
+            </a:lnRef>
+            <a:fillRef idx="3">
+              <a:schemeClr val="accent1"/>
+            </a:fillRef>
+            <a:effectRef idx="2">
+              <a:schemeClr val="accent1"/>
+            </a:effectRef>
+            <a:fontRef idx="minor">
+              <a:schemeClr val="lt1"/>
+            </a:fontRef>
+          </p:style>
+          <p:txBody>
+            <a:bodyPr rtlCol="0" anchor="ctr"/>
+            <a:lstStyle/>
+            <a:p>
+              <a:pPr algn="ctr"/>
+              <a:r>
+                <a:rPr lang="en-US" dirty="0" smtClean="0"/>
+                <a:t>Intent Service</a:t>
+              </a:r>
+              <a:endParaRPr lang="en-US" dirty="0"/>
+            </a:p>
+          </p:txBody>
+        </p:sp>
+        <p:sp>
+          <p:nvSpPr>
+            <p:cNvPr id="13" name="Rectangle 12"/>
+            <p:cNvSpPr/>
+            <p:nvPr/>
+          </p:nvSpPr>
+          <p:spPr>
+            <a:xfrm>
+              <a:off x="1555670" y="2952977"/>
+              <a:ext cx="2286000" cy="550534"/>
+            </a:xfrm>
+            <a:prstGeom prst="rect">
+              <a:avLst/>
+            </a:prstGeom>
+          </p:spPr>
+          <p:style>
+            <a:lnRef idx="1">
+              <a:schemeClr val="accent1"/>
+            </a:lnRef>
+            <a:fillRef idx="3">
+              <a:schemeClr val="accent1"/>
+            </a:fillRef>
+            <a:effectRef idx="2">
+              <a:schemeClr val="accent1"/>
+            </a:effectRef>
+            <a:fontRef idx="minor">
+              <a:schemeClr val="lt1"/>
+            </a:fontRef>
+          </p:style>
+          <p:txBody>
+            <a:bodyPr rtlCol="0" anchor="ctr"/>
+            <a:lstStyle/>
+            <a:p>
+              <a:pPr algn="ctr"/>
+              <a:r>
+                <a:rPr lang="en-US" dirty="0" smtClean="0"/>
+                <a:t>URL Builder</a:t>
+              </a:r>
+              <a:endParaRPr lang="en-US" dirty="0"/>
+            </a:p>
+          </p:txBody>
+        </p:sp>
+        <p:sp>
+          <p:nvSpPr>
+            <p:cNvPr id="14" name="Rectangle 13"/>
+            <p:cNvSpPr/>
+            <p:nvPr/>
+          </p:nvSpPr>
+          <p:spPr>
+            <a:xfrm>
+              <a:off x="1555670" y="4881456"/>
+              <a:ext cx="2286000" cy="771082"/>
+            </a:xfrm>
+            <a:prstGeom prst="rect">
+              <a:avLst/>
+            </a:prstGeom>
+          </p:spPr>
+          <p:style>
+            <a:lnRef idx="1">
+              <a:schemeClr val="accent1"/>
+            </a:lnRef>
+            <a:fillRef idx="3">
+              <a:schemeClr val="accent1"/>
+            </a:fillRef>
+            <a:effectRef idx="2">
+              <a:schemeClr val="accent1"/>
+            </a:effectRef>
+            <a:fontRef idx="minor">
+              <a:schemeClr val="lt1"/>
+            </a:fontRef>
+          </p:style>
+          <p:txBody>
+            <a:bodyPr rtlCol="0" anchor="ctr"/>
+            <a:lstStyle/>
+            <a:p>
+              <a:pPr algn="ctr"/>
+              <a:r>
+                <a:rPr lang="en-US" dirty="0" smtClean="0"/>
+                <a:t>URL invoker</a:t>
+              </a:r>
+              <a:endParaRPr lang="en-US" dirty="0"/>
+            </a:p>
+          </p:txBody>
+        </p:sp>
+        <p:cxnSp>
+          <p:nvCxnSpPr>
+            <p:cNvPr id="20" name="Straight Arrow Connector 19"/>
+            <p:cNvCxnSpPr>
+              <a:stCxn id="8" idx="2"/>
+              <a:endCxn id="9" idx="0"/>
+            </p:cNvCxnSpPr>
+            <p:nvPr/>
+          </p:nvCxnSpPr>
+          <p:spPr>
+            <a:xfrm flipH="1">
+              <a:off x="2698670" y="1222171"/>
+              <a:ext cx="1134725" cy="243835"/>
+            </a:xfrm>
+            <a:prstGeom prst="straightConnector1">
+              <a:avLst/>
+            </a:prstGeom>
+            <a:ln>
+              <a:tailEnd type="arrow"/>
+            </a:ln>
+          </p:spPr>
+          <p:style>
+            <a:lnRef idx="2">
+              <a:schemeClr val="accent1"/>
+            </a:lnRef>
+            <a:fillRef idx="0">
+              <a:schemeClr val="accent1"/>
+            </a:fillRef>
+            <a:effectRef idx="1">
+              <a:schemeClr val="accent1"/>
+            </a:effectRef>
+            <a:fontRef idx="minor">
+              <a:schemeClr val="tx1"/>
+            </a:fontRef>
+          </p:style>
+        </p:cxnSp>
+        <p:cxnSp>
+          <p:nvCxnSpPr>
+            <p:cNvPr id="26" name="Straight Arrow Connector 25"/>
+            <p:cNvCxnSpPr>
+              <a:stCxn id="9" idx="2"/>
+              <a:endCxn id="12" idx="0"/>
+            </p:cNvCxnSpPr>
+            <p:nvPr/>
+          </p:nvCxnSpPr>
+          <p:spPr>
+            <a:xfrm>
+              <a:off x="2698670" y="1974157"/>
+              <a:ext cx="0" cy="243835"/>
+            </a:xfrm>
+            <a:prstGeom prst="straightConnector1">
+              <a:avLst/>
+            </a:prstGeom>
+            <a:ln>
+              <a:tailEnd type="arrow"/>
+            </a:ln>
+          </p:spPr>
+          <p:style>
+            <a:lnRef idx="2">
+              <a:schemeClr val="accent1"/>
+            </a:lnRef>
+            <a:fillRef idx="0">
+              <a:schemeClr val="accent1"/>
+            </a:fillRef>
+            <a:effectRef idx="1">
+              <a:schemeClr val="accent1"/>
+            </a:effectRef>
+            <a:fontRef idx="minor">
+              <a:schemeClr val="tx1"/>
+            </a:fontRef>
+          </p:style>
+        </p:cxnSp>
+        <p:cxnSp>
+          <p:nvCxnSpPr>
+            <p:cNvPr id="28" name="Straight Arrow Connector 27"/>
+            <p:cNvCxnSpPr>
+              <a:stCxn id="12" idx="2"/>
+              <a:endCxn id="13" idx="0"/>
+            </p:cNvCxnSpPr>
+            <p:nvPr/>
+          </p:nvCxnSpPr>
+          <p:spPr>
+            <a:xfrm>
+              <a:off x="2698670" y="2709142"/>
+              <a:ext cx="0" cy="243835"/>
+            </a:xfrm>
+            <a:prstGeom prst="straightConnector1">
+              <a:avLst/>
+            </a:prstGeom>
+            <a:ln>
+              <a:tailEnd type="arrow"/>
+            </a:ln>
+          </p:spPr>
+          <p:style>
+            <a:lnRef idx="2">
+              <a:schemeClr val="accent1"/>
+            </a:lnRef>
+            <a:fillRef idx="0">
+              <a:schemeClr val="accent1"/>
+            </a:fillRef>
+            <a:effectRef idx="1">
+              <a:schemeClr val="accent1"/>
+            </a:effectRef>
+            <a:fontRef idx="minor">
+              <a:schemeClr val="tx1"/>
+            </a:fontRef>
+          </p:style>
+        </p:cxnSp>
+        <p:cxnSp>
+          <p:nvCxnSpPr>
+            <p:cNvPr id="38" name="Straight Arrow Connector 37"/>
+            <p:cNvCxnSpPr>
+              <a:stCxn id="13" idx="2"/>
+              <a:endCxn id="10" idx="0"/>
+            </p:cNvCxnSpPr>
+            <p:nvPr/>
+          </p:nvCxnSpPr>
+          <p:spPr>
+            <a:xfrm>
+              <a:off x="2698670" y="3503511"/>
+              <a:ext cx="0" cy="415199"/>
+            </a:xfrm>
+            <a:prstGeom prst="straightConnector1">
+              <a:avLst/>
+            </a:prstGeom>
+            <a:ln>
+              <a:tailEnd type="arrow"/>
+            </a:ln>
+          </p:spPr>
+          <p:style>
+            <a:lnRef idx="2">
+              <a:schemeClr val="accent1"/>
+            </a:lnRef>
+            <a:fillRef idx="0">
+              <a:schemeClr val="accent1"/>
+            </a:fillRef>
+            <a:effectRef idx="1">
+              <a:schemeClr val="accent1"/>
+            </a:effectRef>
+            <a:fontRef idx="minor">
+              <a:schemeClr val="tx1"/>
+            </a:fontRef>
+          </p:style>
+        </p:cxnSp>
+        <p:cxnSp>
+          <p:nvCxnSpPr>
+            <p:cNvPr id="41" name="Straight Arrow Connector 40"/>
+            <p:cNvCxnSpPr>
+              <a:stCxn id="10" idx="2"/>
+              <a:endCxn id="14" idx="0"/>
+            </p:cNvCxnSpPr>
+            <p:nvPr/>
+          </p:nvCxnSpPr>
+          <p:spPr>
+            <a:xfrm>
+              <a:off x="2698670" y="4433146"/>
+              <a:ext cx="0" cy="448310"/>
+            </a:xfrm>
+            <a:prstGeom prst="straightConnector1">
+              <a:avLst/>
+            </a:prstGeom>
+            <a:ln>
+              <a:headEnd type="arrow"/>
+              <a:tailEnd type="arrow"/>
+            </a:ln>
+          </p:spPr>
+          <p:style>
+            <a:lnRef idx="2">
+              <a:schemeClr val="accent1"/>
+            </a:lnRef>
+            <a:fillRef idx="0">
+              <a:schemeClr val="accent1"/>
+            </a:fillRef>
+            <a:effectRef idx="1">
+              <a:schemeClr val="accent1"/>
+            </a:effectRef>
+            <a:fontRef idx="minor">
+              <a:schemeClr val="tx1"/>
+            </a:fontRef>
+          </p:style>
+        </p:cxnSp>
+        <p:cxnSp>
+          <p:nvCxnSpPr>
+            <p:cNvPr id="43" name="Straight Arrow Connector 42"/>
+            <p:cNvCxnSpPr>
+              <a:stCxn id="10" idx="3"/>
+              <a:endCxn id="11" idx="1"/>
+            </p:cNvCxnSpPr>
+            <p:nvPr/>
+          </p:nvCxnSpPr>
+          <p:spPr>
+            <a:xfrm>
+              <a:off x="3841670" y="4175928"/>
+              <a:ext cx="782698" cy="0"/>
+            </a:xfrm>
+            <a:prstGeom prst="straightConnector1">
+              <a:avLst/>
+            </a:prstGeom>
+            <a:ln>
+              <a:tailEnd type="arrow"/>
+            </a:ln>
+          </p:spPr>
+          <p:style>
+            <a:lnRef idx="2">
+              <a:schemeClr val="accent1"/>
+            </a:lnRef>
+            <a:fillRef idx="0">
+              <a:schemeClr val="accent1"/>
+            </a:fillRef>
+            <a:effectRef idx="1">
+              <a:schemeClr val="accent1"/>
+            </a:effectRef>
+            <a:fontRef idx="minor">
+              <a:schemeClr val="tx1"/>
+            </a:fontRef>
+          </p:style>
+        </p:cxnSp>
+        <p:cxnSp>
+          <p:nvCxnSpPr>
+            <p:cNvPr id="47" name="Straight Arrow Connector 46"/>
+            <p:cNvCxnSpPr>
+              <a:stCxn id="11" idx="0"/>
+            </p:cNvCxnSpPr>
+            <p:nvPr/>
+          </p:nvCxnSpPr>
+          <p:spPr>
+            <a:xfrm flipV="1">
+              <a:off x="5367744" y="1222172"/>
+              <a:ext cx="0" cy="2610856"/>
+            </a:xfrm>
+            <a:prstGeom prst="straightConnector1">
+              <a:avLst/>
+            </a:prstGeom>
+            <a:ln>
+              <a:tailEnd type="arrow"/>
+            </a:ln>
+          </p:spPr>
+          <p:style>
+            <a:lnRef idx="2">
+              <a:schemeClr val="accent1"/>
+            </a:lnRef>
+            <a:fillRef idx="0">
+              <a:schemeClr val="accent1"/>
+            </a:fillRef>
+            <a:effectRef idx="1">
+              <a:schemeClr val="accent1"/>
+            </a:effectRef>
+            <a:fontRef idx="minor">
+              <a:schemeClr val="tx1"/>
+            </a:fontRef>
+          </p:style>
+        </p:cxnSp>
+      </p:grpSp>
     </p:spTree>
     <p:extLst>
       <p:ext uri="{BB962C8B-B14F-4D97-AF65-F5344CB8AC3E}">
